--- a/workshop_pp.pptx
+++ b/workshop_pp.pptx
@@ -12,6 +12,7 @@
     <p:sldId id="261" r:id="rId6"/>
     <p:sldId id="262" r:id="rId7"/>
     <p:sldId id="259" r:id="rId8"/>
+    <p:sldId id="263" r:id="rId9"/>
   </p:sldIdLst>
   <p:sldSz cx="12192000" cy="6858000"/>
   <p:notesSz cx="6858000" cy="9144000"/>
@@ -3491,6 +3492,19 @@
               <a:t> script</a:t>
             </a:r>
           </a:p>
+          <a:p>
+            <a:endParaRPr lang="en-US" dirty="0"/>
+          </a:p>
+          <a:p>
+            <a:r>
+              <a:rPr lang="en-US" dirty="0" err="1"/>
+              <a:t>Github</a:t>
+            </a:r>
+            <a:r>
+              <a:rPr lang="en-US" dirty="0"/>
+              <a:t>: https://github.com/ieee-uci/IEEE-Linux_Dotfiles.git</a:t>
+            </a:r>
+          </a:p>
         </p:txBody>
       </p:sp>
     </p:spTree>
@@ -3623,13 +3637,8 @@
             <a:pPr lvl="1"/>
             <a:r>
               <a:rPr lang="en-US" dirty="0"/>
-              <a:t>And </a:t>
-            </a:r>
-            <a:r>
-              <a:rPr lang="en-US"/>
-              <a:t>many more</a:t>
-            </a:r>
-            <a:endParaRPr lang="en-US" dirty="0"/>
+              <a:t>And many more</a:t>
+            </a:r>
           </a:p>
         </p:txBody>
       </p:sp>
@@ -4025,6 +4034,147 @@
     <p:extLst>
       <p:ext uri="{BB962C8B-B14F-4D97-AF65-F5344CB8AC3E}">
         <p14:creationId xmlns:p14="http://schemas.microsoft.com/office/powerpoint/2010/main" val="4069678315"/>
+      </p:ext>
+    </p:extLst>
+  </p:cSld>
+  <p:clrMapOvr>
+    <a:masterClrMapping/>
+  </p:clrMapOvr>
+</p:sld>
+</file>
+
+<file path=ppt/slides/slide8.xml><?xml version="1.0" encoding="utf-8"?>
+<p:sld xmlns:a="http://schemas.openxmlformats.org/drawingml/2006/main" xmlns:r="http://schemas.openxmlformats.org/officeDocument/2006/relationships" xmlns:p="http://schemas.openxmlformats.org/presentationml/2006/main">
+  <p:cSld>
+    <p:spTree>
+      <p:nvGrpSpPr>
+        <p:cNvPr id="1" name=""/>
+        <p:cNvGrpSpPr/>
+        <p:nvPr/>
+      </p:nvGrpSpPr>
+      <p:grpSpPr>
+        <a:xfrm>
+          <a:off x="0" y="0"/>
+          <a:ext cx="0" cy="0"/>
+          <a:chOff x="0" y="0"/>
+          <a:chExt cx="0" cy="0"/>
+        </a:xfrm>
+      </p:grpSpPr>
+      <p:sp>
+        <p:nvSpPr>
+          <p:cNvPr id="2" name="Title 1">
+            <a:extLst>
+              <a:ext uri="{FF2B5EF4-FFF2-40B4-BE49-F238E27FC236}">
+                <a16:creationId xmlns:a16="http://schemas.microsoft.com/office/drawing/2014/main" id="{7E788844-E242-4347-89AB-FDCAF6B0FECE}"/>
+              </a:ext>
+            </a:extLst>
+          </p:cNvPr>
+          <p:cNvSpPr>
+            <a:spLocks noGrp="1"/>
+          </p:cNvSpPr>
+          <p:nvPr>
+            <p:ph type="title"/>
+          </p:nvPr>
+        </p:nvSpPr>
+        <p:spPr/>
+        <p:txBody>
+          <a:bodyPr/>
+          <a:lstStyle/>
+          <a:p>
+            <a:r>
+              <a:rPr lang="en-US" dirty="0"/>
+              <a:t>More Resources</a:t>
+            </a:r>
+          </a:p>
+        </p:txBody>
+      </p:sp>
+      <p:sp>
+        <p:nvSpPr>
+          <p:cNvPr id="3" name="Content Placeholder 2">
+            <a:extLst>
+              <a:ext uri="{FF2B5EF4-FFF2-40B4-BE49-F238E27FC236}">
+                <a16:creationId xmlns:a16="http://schemas.microsoft.com/office/drawing/2014/main" id="{3DD08659-AAE2-4A18-957C-5459786E7117}"/>
+              </a:ext>
+            </a:extLst>
+          </p:cNvPr>
+          <p:cNvSpPr>
+            <a:spLocks noGrp="1"/>
+          </p:cNvSpPr>
+          <p:nvPr>
+            <p:ph idx="1"/>
+          </p:nvPr>
+        </p:nvSpPr>
+        <p:spPr/>
+        <p:txBody>
+          <a:bodyPr/>
+          <a:lstStyle/>
+          <a:p>
+            <a:r>
+              <a:rPr lang="en-US" dirty="0"/>
+              <a:t>More stuff to put in your </a:t>
+            </a:r>
+            <a:r>
+              <a:rPr lang="en-US" dirty="0" err="1"/>
+              <a:t>vimrc</a:t>
+            </a:r>
+            <a:endParaRPr lang="en-US" dirty="0"/>
+          </a:p>
+          <a:p>
+            <a:pPr lvl="1"/>
+            <a:r>
+              <a:rPr lang="en-US" dirty="0">
+                <a:hlinkClick r:id="rId2"/>
+              </a:rPr>
+              <a:t>https://dougblack.io/words/a-good-vimrc.html</a:t>
+            </a:r>
+            <a:endParaRPr lang="en-US" dirty="0"/>
+          </a:p>
+          <a:p>
+            <a:r>
+              <a:rPr lang="en-US" dirty="0"/>
+              <a:t>Overview of </a:t>
+            </a:r>
+            <a:r>
+              <a:rPr lang="en-US" dirty="0" err="1"/>
+              <a:t>Bashrc</a:t>
+            </a:r>
+            <a:endParaRPr lang="en-US" dirty="0"/>
+          </a:p>
+          <a:p>
+            <a:pPr lvl="1"/>
+            <a:r>
+              <a:rPr lang="en-US" dirty="0">
+                <a:hlinkClick r:id="rId3"/>
+              </a:rPr>
+              <a:t>https://www.routerhosting.com/knowledge-base/what-is-linux-bashrc-and-how-to-use-it-full-guide/</a:t>
+            </a:r>
+            <a:endParaRPr lang="en-US" dirty="0"/>
+          </a:p>
+          <a:p>
+            <a:r>
+              <a:rPr lang="en-US" dirty="0"/>
+              <a:t>On some other dotfiles</a:t>
+            </a:r>
+          </a:p>
+          <a:p>
+            <a:pPr lvl="1"/>
+            <a:r>
+              <a:rPr lang="en-US" dirty="0">
+                <a:hlinkClick r:id="rId4"/>
+              </a:rPr>
+              <a:t>https://medium.com/@webprolific/getting-started-with-dotfiles-43c3602fd789</a:t>
+            </a:r>
+            <a:endParaRPr lang="en-US" dirty="0"/>
+          </a:p>
+          <a:p>
+            <a:endParaRPr lang="en-US" dirty="0"/>
+          </a:p>
+        </p:txBody>
+      </p:sp>
+    </p:spTree>
+    <p:extLst>
+      <p:ext uri="{BB962C8B-B14F-4D97-AF65-F5344CB8AC3E}">
+        <p14:creationId xmlns:p14="http://schemas.microsoft.com/office/powerpoint/2010/main" val="316952236"/>
       </p:ext>
     </p:extLst>
   </p:cSld>
